--- a/AI_tools.pptx
+++ b/AI_tools.pptx
@@ -6389,7 +6389,7 @@
           <a:p>
             <a:pPr/>
             <a:r>
-              <a:t>Expected output:</a:t>
+              <a:t>Actual output:</a:t>
             </a:r>
           </a:p>
           <a:p>
